--- a/docs/deployment_guide/images/cribl-private-link-architecture-diagram.pptx
+++ b/docs/deployment_guide/images/cribl-private-link-architecture-diagram.pptx
@@ -284,7 +284,7 @@
           <a:p>
             <a:fld id="{E65666DE-17B7-4ECE-9441-92DD2468A9C2}" type="datetimeFigureOut">
               <a:rPr lang="en-US" smtClean="0"/>
-              <a:t>10/3/2022</a:t>
+              <a:t>2/8/2023</a:t>
             </a:fld>
             <a:endParaRPr lang="en-US"/>
           </a:p>
@@ -454,7 +454,7 @@
           <a:p>
             <a:fld id="{E65666DE-17B7-4ECE-9441-92DD2468A9C2}" type="datetimeFigureOut">
               <a:rPr lang="en-US" smtClean="0"/>
-              <a:t>10/3/2022</a:t>
+              <a:t>2/8/2023</a:t>
             </a:fld>
             <a:endParaRPr lang="en-US"/>
           </a:p>
@@ -634,7 +634,7 @@
           <a:p>
             <a:fld id="{E65666DE-17B7-4ECE-9441-92DD2468A9C2}" type="datetimeFigureOut">
               <a:rPr lang="en-US" smtClean="0"/>
-              <a:t>10/3/2022</a:t>
+              <a:t>2/8/2023</a:t>
             </a:fld>
             <a:endParaRPr lang="en-US"/>
           </a:p>
@@ -804,7 +804,7 @@
           <a:p>
             <a:fld id="{E65666DE-17B7-4ECE-9441-92DD2468A9C2}" type="datetimeFigureOut">
               <a:rPr lang="en-US" smtClean="0"/>
-              <a:t>10/3/2022</a:t>
+              <a:t>2/8/2023</a:t>
             </a:fld>
             <a:endParaRPr lang="en-US"/>
           </a:p>
@@ -1048,7 +1048,7 @@
           <a:p>
             <a:fld id="{E65666DE-17B7-4ECE-9441-92DD2468A9C2}" type="datetimeFigureOut">
               <a:rPr lang="en-US" smtClean="0"/>
-              <a:t>10/3/2022</a:t>
+              <a:t>2/8/2023</a:t>
             </a:fld>
             <a:endParaRPr lang="en-US"/>
           </a:p>
@@ -1280,7 +1280,7 @@
           <a:p>
             <a:fld id="{E65666DE-17B7-4ECE-9441-92DD2468A9C2}" type="datetimeFigureOut">
               <a:rPr lang="en-US" smtClean="0"/>
-              <a:t>10/3/2022</a:t>
+              <a:t>2/8/2023</a:t>
             </a:fld>
             <a:endParaRPr lang="en-US"/>
           </a:p>
@@ -1647,7 +1647,7 @@
           <a:p>
             <a:fld id="{E65666DE-17B7-4ECE-9441-92DD2468A9C2}" type="datetimeFigureOut">
               <a:rPr lang="en-US" smtClean="0"/>
-              <a:t>10/3/2022</a:t>
+              <a:t>2/8/2023</a:t>
             </a:fld>
             <a:endParaRPr lang="en-US"/>
           </a:p>
@@ -1765,7 +1765,7 @@
           <a:p>
             <a:fld id="{E65666DE-17B7-4ECE-9441-92DD2468A9C2}" type="datetimeFigureOut">
               <a:rPr lang="en-US" smtClean="0"/>
-              <a:t>10/3/2022</a:t>
+              <a:t>2/8/2023</a:t>
             </a:fld>
             <a:endParaRPr lang="en-US"/>
           </a:p>
@@ -1860,7 +1860,7 @@
           <a:p>
             <a:fld id="{E65666DE-17B7-4ECE-9441-92DD2468A9C2}" type="datetimeFigureOut">
               <a:rPr lang="en-US" smtClean="0"/>
-              <a:t>10/3/2022</a:t>
+              <a:t>2/8/2023</a:t>
             </a:fld>
             <a:endParaRPr lang="en-US"/>
           </a:p>
@@ -2137,7 +2137,7 @@
           <a:p>
             <a:fld id="{E65666DE-17B7-4ECE-9441-92DD2468A9C2}" type="datetimeFigureOut">
               <a:rPr lang="en-US" smtClean="0"/>
-              <a:t>10/3/2022</a:t>
+              <a:t>2/8/2023</a:t>
             </a:fld>
             <a:endParaRPr lang="en-US"/>
           </a:p>
@@ -2394,7 +2394,7 @@
           <a:p>
             <a:fld id="{E65666DE-17B7-4ECE-9441-92DD2468A9C2}" type="datetimeFigureOut">
               <a:rPr lang="en-US" smtClean="0"/>
-              <a:t>10/3/2022</a:t>
+              <a:t>2/8/2023</a:t>
             </a:fld>
             <a:endParaRPr lang="en-US"/>
           </a:p>
@@ -2607,7 +2607,7 @@
           <a:p>
             <a:fld id="{E65666DE-17B7-4ECE-9441-92DD2468A9C2}" type="datetimeFigureOut">
               <a:rPr lang="en-US" smtClean="0"/>
-              <a:t>10/3/2022</a:t>
+              <a:t>2/8/2023</a:t>
             </a:fld>
             <a:endParaRPr lang="en-US"/>
           </a:p>
@@ -7422,10 +7422,10 @@
       </p:grpSpPr>
       <p:sp>
         <p:nvSpPr>
-          <p:cNvPr id="4" name="Rectangle 3">
+          <p:cNvPr id="6" name="Rectangle 5">
             <a:extLst>
               <a:ext uri="{FF2B5EF4-FFF2-40B4-BE49-F238E27FC236}">
-                <a16:creationId xmlns:a16="http://schemas.microsoft.com/office/drawing/2014/main" id="{FE2375E0-8AB2-475B-A2F7-3D5F2BC3C248}"/>
+                <a16:creationId xmlns:a16="http://schemas.microsoft.com/office/drawing/2014/main" id="{903AA643-1C4B-4A2A-8CB8-34D6740DA2F5}"/>
               </a:ext>
             </a:extLst>
           </p:cNvPr>
@@ -7434,8 +7434,8 @@
         </p:nvSpPr>
         <p:spPr>
           <a:xfrm>
-            <a:off x="2384414" y="2809374"/>
-            <a:ext cx="8371908" cy="2743200"/>
+            <a:off x="2252312" y="1626675"/>
+            <a:ext cx="9784080" cy="5823277"/>
           </a:xfrm>
           <a:prstGeom prst="rect">
             <a:avLst/>
@@ -7443,7 +7443,7 @@
           <a:noFill/>
           <a:ln w="12700">
             <a:solidFill>
-              <a:srgbClr val="1E8900"/>
+              <a:schemeClr val="tx1"/>
             </a:solidFill>
           </a:ln>
         </p:spPr>
@@ -7478,76 +7478,6 @@
             </a:pPr>
             <a:r>
               <a:rPr lang="en-US" sz="1200" dirty="0">
-                <a:ln w="0"/>
-                <a:solidFill>
-                  <a:srgbClr val="1E8900"/>
-                </a:solidFill>
-                <a:latin typeface="Arial" panose="020B0604020202020204" pitchFamily="34" charset="0"/>
-                <a:cs typeface="Arial" panose="020B0604020202020204" pitchFamily="34" charset="0"/>
-              </a:rPr>
-              <a:t>VPC</a:t>
-            </a:r>
-          </a:p>
-        </p:txBody>
-      </p:sp>
-      <p:sp>
-        <p:nvSpPr>
-          <p:cNvPr id="6" name="Rectangle 5">
-            <a:extLst>
-              <a:ext uri="{FF2B5EF4-FFF2-40B4-BE49-F238E27FC236}">
-                <a16:creationId xmlns:a16="http://schemas.microsoft.com/office/drawing/2014/main" id="{903AA643-1C4B-4A2A-8CB8-34D6740DA2F5}"/>
-              </a:ext>
-            </a:extLst>
-          </p:cNvPr>
-          <p:cNvSpPr/>
-          <p:nvPr/>
-        </p:nvSpPr>
-        <p:spPr>
-          <a:xfrm>
-            <a:off x="2252312" y="1626675"/>
-            <a:ext cx="9784080" cy="5823277"/>
-          </a:xfrm>
-          <a:prstGeom prst="rect">
-            <a:avLst/>
-          </a:prstGeom>
-          <a:noFill/>
-          <a:ln w="12700">
-            <a:solidFill>
-              <a:schemeClr val="tx1"/>
-            </a:solidFill>
-          </a:ln>
-        </p:spPr>
-        <p:style>
-          <a:lnRef idx="2">
-            <a:schemeClr val="accent1">
-              <a:shade val="50000"/>
-            </a:schemeClr>
-          </a:lnRef>
-          <a:fillRef idx="1">
-            <a:schemeClr val="accent1"/>
-          </a:fillRef>
-          <a:effectRef idx="0">
-            <a:schemeClr val="accent1"/>
-          </a:effectRef>
-          <a:fontRef idx="minor">
-            <a:schemeClr val="lt1"/>
-          </a:fontRef>
-        </p:style>
-        <p:txBody>
-          <a:bodyPr lIns="502920" tIns="91440"/>
-          <a:lstStyle/>
-          <a:p>
-            <a:pPr eaLnBrk="1" fontAlgn="auto" hangingPunct="1">
-              <a:spcBef>
-                <a:spcPts val="0"/>
-              </a:spcBef>
-              <a:spcAft>
-                <a:spcPts val="0"/>
-              </a:spcAft>
-              <a:defRPr/>
-            </a:pPr>
-            <a:r>
-              <a:rPr lang="en-US" sz="1200" dirty="0">
                 <a:solidFill>
                   <a:sysClr val="windowText" lastClr="000000"/>
                 </a:solidFill>
@@ -7664,42 +7594,6 @@
           </a:prstGeom>
         </p:spPr>
       </p:pic>
-      <p:pic>
-        <p:nvPicPr>
-          <p:cNvPr id="11" name="Graphic 10">
-            <a:extLst>
-              <a:ext uri="{FF2B5EF4-FFF2-40B4-BE49-F238E27FC236}">
-                <a16:creationId xmlns:a16="http://schemas.microsoft.com/office/drawing/2014/main" id="{F3844027-F4DA-43E6-9CC4-C8F35FD38699}"/>
-              </a:ext>
-            </a:extLst>
-          </p:cNvPr>
-          <p:cNvPicPr>
-            <a:picLocks noChangeAspect="1"/>
-          </p:cNvPicPr>
-          <p:nvPr/>
-        </p:nvPicPr>
-        <p:blipFill>
-          <a:blip r:embed="rId4">
-            <a:extLst>
-              <a:ext uri="{96DAC541-7B7A-43D3-8B79-37D633B846F1}">
-                <asvg:svgBlip xmlns:asvg="http://schemas.microsoft.com/office/drawing/2016/SVG/main" r:embed="rId5"/>
-              </a:ext>
-            </a:extLst>
-          </a:blip>
-          <a:stretch>
-            <a:fillRect/>
-          </a:stretch>
-        </p:blipFill>
-        <p:spPr>
-          <a:xfrm>
-            <a:off x="2388031" y="2807208"/>
-            <a:ext cx="381000" cy="381000"/>
-          </a:xfrm>
-          <a:prstGeom prst="rect">
-            <a:avLst/>
-          </a:prstGeom>
-        </p:spPr>
-      </p:pic>
       <p:sp>
         <p:nvSpPr>
           <p:cNvPr id="9" name="Rectangle 8">
@@ -7787,10 +7681,10 @@
           <p:nvPr/>
         </p:nvPicPr>
         <p:blipFill>
-          <a:blip r:embed="rId6">
+          <a:blip r:embed="rId4">
             <a:extLst>
               <a:ext uri="{96DAC541-7B7A-43D3-8B79-37D633B846F1}">
-                <asvg:svgBlip xmlns:asvg="http://schemas.microsoft.com/office/drawing/2016/SVG/main" r:embed="rId7"/>
+                <asvg:svgBlip xmlns:asvg="http://schemas.microsoft.com/office/drawing/2016/SVG/main" r:embed="rId5"/>
               </a:ext>
             </a:extLst>
           </a:blip>
@@ -7929,10 +7823,10 @@
           <p:nvPr/>
         </p:nvPicPr>
         <p:blipFill>
-          <a:blip r:embed="rId8">
+          <a:blip r:embed="rId6">
             <a:extLst>
               <a:ext uri="{96DAC541-7B7A-43D3-8B79-37D633B846F1}">
-                <asvg:svgBlip xmlns:asvg="http://schemas.microsoft.com/office/drawing/2016/SVG/main" r:embed="rId9"/>
+                <asvg:svgBlip xmlns:asvg="http://schemas.microsoft.com/office/drawing/2016/SVG/main" r:embed="rId7"/>
               </a:ext>
             </a:extLst>
           </a:blip>
@@ -8141,7 +8035,7 @@
           <p:nvPr/>
         </p:nvPicPr>
         <p:blipFill>
-          <a:blip r:embed="rId10">
+          <a:blip r:embed="rId8">
             <a:extLst>
               <a:ext uri="{28A0092B-C50C-407E-A947-70E740481C1C}">
                 <a14:useLocalDpi xmlns:a14="http://schemas.microsoft.com/office/drawing/2010/main" val="0"/>
@@ -8201,10 +8095,10 @@
           <p:nvPr/>
         </p:nvPicPr>
         <p:blipFill>
-          <a:blip r:embed="rId11">
+          <a:blip r:embed="rId9">
             <a:extLst>
               <a:ext uri="{96DAC541-7B7A-43D3-8B79-37D633B846F1}">
-                <asvg:svgBlip xmlns:asvg="http://schemas.microsoft.com/office/drawing/2016/SVG/main" r:embed="rId12"/>
+                <asvg:svgBlip xmlns:asvg="http://schemas.microsoft.com/office/drawing/2016/SVG/main" r:embed="rId10"/>
               </a:ext>
             </a:extLst>
           </a:blip>
@@ -8479,7 +8373,7 @@
           <p:nvPr/>
         </p:nvPicPr>
         <p:blipFill>
-          <a:blip r:embed="rId13">
+          <a:blip r:embed="rId11">
             <a:extLst>
               <a:ext uri="{28A0092B-C50C-407E-A947-70E740481C1C}">
                 <a14:useLocalDpi xmlns:a14="http://schemas.microsoft.com/office/drawing/2010/main" val="0"/>
@@ -8708,7 +8602,7 @@
           <p:nvPr/>
         </p:nvPicPr>
         <p:blipFill>
-          <a:blip r:embed="rId13">
+          <a:blip r:embed="rId11">
             <a:extLst>
               <a:ext uri="{28A0092B-C50C-407E-A947-70E740481C1C}">
                 <a14:useLocalDpi xmlns:a14="http://schemas.microsoft.com/office/drawing/2010/main" val="0"/>
@@ -8937,10 +8831,10 @@
           <p:nvPr/>
         </p:nvPicPr>
         <p:blipFill>
-          <a:blip r:embed="rId8">
+          <a:blip r:embed="rId6">
             <a:extLst>
               <a:ext uri="{96DAC541-7B7A-43D3-8B79-37D633B846F1}">
-                <asvg:svgBlip xmlns:asvg="http://schemas.microsoft.com/office/drawing/2016/SVG/main" r:embed="rId9"/>
+                <asvg:svgBlip xmlns:asvg="http://schemas.microsoft.com/office/drawing/2016/SVG/main" r:embed="rId7"/>
               </a:ext>
             </a:extLst>
           </a:blip>
@@ -9115,10 +9009,10 @@
           <p:nvPr/>
         </p:nvPicPr>
         <p:blipFill>
-          <a:blip r:embed="rId6">
+          <a:blip r:embed="rId4">
             <a:extLst>
               <a:ext uri="{96DAC541-7B7A-43D3-8B79-37D633B846F1}">
-                <asvg:svgBlip xmlns:asvg="http://schemas.microsoft.com/office/drawing/2016/SVG/main" r:embed="rId7"/>
+                <asvg:svgBlip xmlns:asvg="http://schemas.microsoft.com/office/drawing/2016/SVG/main" r:embed="rId5"/>
               </a:ext>
             </a:extLst>
           </a:blip>
@@ -9151,7 +9045,7 @@
           <p:nvPr/>
         </p:nvPicPr>
         <p:blipFill>
-          <a:blip r:embed="rId13">
+          <a:blip r:embed="rId11">
             <a:extLst>
               <a:ext uri="{28A0092B-C50C-407E-A947-70E740481C1C}">
                 <a14:useLocalDpi xmlns:a14="http://schemas.microsoft.com/office/drawing/2010/main" val="0"/>
@@ -9649,7 +9543,7 @@
           <p:nvPr/>
         </p:nvPicPr>
         <p:blipFill>
-          <a:blip r:embed="rId14">
+          <a:blip r:embed="rId12">
             <a:extLst>
               <a:ext uri="{28A0092B-C50C-407E-A947-70E740481C1C}">
                 <a14:useLocalDpi xmlns:a14="http://schemas.microsoft.com/office/drawing/2010/main" val="0"/>
@@ -9886,7 +9780,7 @@
           <p:nvPr/>
         </p:nvPicPr>
         <p:blipFill>
-          <a:blip r:embed="rId15">
+          <a:blip r:embed="rId13">
             <a:extLst>
               <a:ext uri="{28A0092B-C50C-407E-A947-70E740481C1C}">
                 <a14:useLocalDpi xmlns:a14="http://schemas.microsoft.com/office/drawing/2010/main" val="0"/>
@@ -10287,7 +10181,7 @@
           <p:nvPr/>
         </p:nvPicPr>
         <p:blipFill>
-          <a:blip r:embed="rId16">
+          <a:blip r:embed="rId14">
             <a:extLst>
               <a:ext uri="{28A0092B-C50C-407E-A947-70E740481C1C}">
                 <a14:useLocalDpi xmlns:a14="http://schemas.microsoft.com/office/drawing/2010/main" val="0"/>
@@ -10579,10 +10473,10 @@
           <p:nvPr/>
         </p:nvPicPr>
         <p:blipFill>
-          <a:blip r:embed="rId17">
+          <a:blip r:embed="rId15">
             <a:extLst>
               <a:ext uri="{96DAC541-7B7A-43D3-8B79-37D633B846F1}">
-                <asvg:svgBlip xmlns:asvg="http://schemas.microsoft.com/office/drawing/2016/SVG/main" r:embed="rId18"/>
+                <asvg:svgBlip xmlns:asvg="http://schemas.microsoft.com/office/drawing/2016/SVG/main" r:embed="rId16"/>
               </a:ext>
             </a:extLst>
           </a:blip>
@@ -10615,7 +10509,7 @@
           <p:nvPr/>
         </p:nvPicPr>
         <p:blipFill>
-          <a:blip r:embed="rId16">
+          <a:blip r:embed="rId14">
             <a:extLst>
               <a:ext uri="{28A0092B-C50C-407E-A947-70E740481C1C}">
                 <a14:useLocalDpi xmlns:a14="http://schemas.microsoft.com/office/drawing/2010/main" val="0"/>
@@ -10838,7 +10732,7 @@
           <p:nvPr/>
         </p:nvPicPr>
         <p:blipFill>
-          <a:blip r:embed="rId19">
+          <a:blip r:embed="rId17">
             <a:extLst>
               <a:ext uri="{28A0092B-C50C-407E-A947-70E740481C1C}">
                 <a14:useLocalDpi xmlns:a14="http://schemas.microsoft.com/office/drawing/2010/main" val="0"/>
@@ -11044,6 +10938,111 @@
           </a:p>
         </p:txBody>
       </p:sp>
+      <p:sp>
+        <p:nvSpPr>
+          <p:cNvPr id="49" name="Rectangle 48">
+            <a:extLst>
+              <a:ext uri="{FF2B5EF4-FFF2-40B4-BE49-F238E27FC236}">
+                <a16:creationId xmlns:a16="http://schemas.microsoft.com/office/drawing/2014/main" id="{A46FCEA0-28BB-40BD-BABD-ECDCFAFCFD98}"/>
+              </a:ext>
+            </a:extLst>
+          </p:cNvPr>
+          <p:cNvSpPr/>
+          <p:nvPr/>
+        </p:nvSpPr>
+        <p:spPr>
+          <a:xfrm>
+            <a:off x="2386584" y="2807208"/>
+            <a:ext cx="8375904" cy="2743200"/>
+          </a:xfrm>
+          <a:prstGeom prst="rect">
+            <a:avLst/>
+          </a:prstGeom>
+          <a:noFill/>
+          <a:ln w="12700">
+            <a:solidFill>
+              <a:srgbClr val="693BC5"/>
+            </a:solidFill>
+          </a:ln>
+        </p:spPr>
+        <p:style>
+          <a:lnRef idx="2">
+            <a:schemeClr val="accent1">
+              <a:shade val="50000"/>
+            </a:schemeClr>
+          </a:lnRef>
+          <a:fillRef idx="1">
+            <a:schemeClr val="accent1"/>
+          </a:fillRef>
+          <a:effectRef idx="0">
+            <a:schemeClr val="accent1"/>
+          </a:effectRef>
+          <a:fontRef idx="minor">
+            <a:schemeClr val="lt1"/>
+          </a:fontRef>
+        </p:style>
+        <p:txBody>
+          <a:bodyPr lIns="502920" tIns="91440"/>
+          <a:lstStyle/>
+          <a:p>
+            <a:pPr eaLnBrk="1" fontAlgn="auto" hangingPunct="1">
+              <a:spcBef>
+                <a:spcPts val="0"/>
+              </a:spcBef>
+              <a:spcAft>
+                <a:spcPts val="0"/>
+              </a:spcAft>
+              <a:defRPr/>
+            </a:pPr>
+            <a:r>
+              <a:rPr lang="en-US" sz="1200" dirty="0">
+                <a:ln w="0"/>
+                <a:solidFill>
+                  <a:srgbClr val="693BC5"/>
+                </a:solidFill>
+                <a:latin typeface="Arial" panose="020B0604020202020204" pitchFamily="34" charset="0"/>
+                <a:cs typeface="Arial" panose="020B0604020202020204" pitchFamily="34" charset="0"/>
+              </a:rPr>
+              <a:t>VPC</a:t>
+            </a:r>
+          </a:p>
+        </p:txBody>
+      </p:sp>
+      <p:pic>
+        <p:nvPicPr>
+          <p:cNvPr id="50" name="Graphic 49">
+            <a:extLst>
+              <a:ext uri="{FF2B5EF4-FFF2-40B4-BE49-F238E27FC236}">
+                <a16:creationId xmlns:a16="http://schemas.microsoft.com/office/drawing/2014/main" id="{EE1F6D4A-3697-40DC-91AD-98067E225170}"/>
+              </a:ext>
+            </a:extLst>
+          </p:cNvPr>
+          <p:cNvPicPr>
+            <a:picLocks noChangeAspect="1"/>
+          </p:cNvPicPr>
+          <p:nvPr/>
+        </p:nvPicPr>
+        <p:blipFill>
+          <a:blip r:embed="rId18">
+            <a:extLst>
+              <a:ext uri="{96DAC541-7B7A-43D3-8B79-37D633B846F1}">
+                <asvg:svgBlip xmlns:asvg="http://schemas.microsoft.com/office/drawing/2016/SVG/main" r:embed="rId19"/>
+              </a:ext>
+            </a:extLst>
+          </a:blip>
+          <a:srcRect/>
+          <a:stretch/>
+        </p:blipFill>
+        <p:spPr>
+          <a:xfrm>
+            <a:off x="2386584" y="2807208"/>
+            <a:ext cx="381000" cy="381000"/>
+          </a:xfrm>
+          <a:prstGeom prst="rect">
+            <a:avLst/>
+          </a:prstGeom>
+        </p:spPr>
+      </p:pic>
     </p:spTree>
     <p:extLst>
       <p:ext uri="{BB962C8B-B14F-4D97-AF65-F5344CB8AC3E}">
